--- a/specs/src/main/html/qb-fig1-proposed.pptx
+++ b/specs/src/main/html/qb-fig1-proposed.pptx
@@ -3016,131 +3016,6 @@
       </p:sp>
       <p:sp>
         <p:nvSpPr>
-          <p:cNvPr id="98" name="Freeform 97"/>
-          <p:cNvSpPr/>
-          <p:nvPr/>
-        </p:nvSpPr>
-        <p:spPr>
-          <a:xfrm>
-            <a:off x="2285984" y="2368355"/>
-            <a:ext cx="433617" cy="393561"/>
-          </a:xfrm>
-          <a:custGeom>
-            <a:avLst/>
-            <a:gdLst>
-              <a:gd name="connsiteX0" fmla="*/ 294752 w 602901"/>
-              <a:gd name="connsiteY0" fmla="*/ 0 h 393561"/>
-              <a:gd name="connsiteX1" fmla="*/ 566057 w 602901"/>
-              <a:gd name="connsiteY1" fmla="*/ 231112 h 393561"/>
-              <a:gd name="connsiteX2" fmla="*/ 73688 w 602901"/>
-              <a:gd name="connsiteY2" fmla="*/ 361741 h 393561"/>
-              <a:gd name="connsiteX3" fmla="*/ 123930 w 602901"/>
-              <a:gd name="connsiteY3" fmla="*/ 40194 h 393561"/>
-            </a:gdLst>
-            <a:ahLst/>
-            <a:cxnLst>
-              <a:cxn ang="0">
-                <a:pos x="connsiteX0" y="connsiteY0"/>
-              </a:cxn>
-              <a:cxn ang="0">
-                <a:pos x="connsiteX1" y="connsiteY1"/>
-              </a:cxn>
-              <a:cxn ang="0">
-                <a:pos x="connsiteX2" y="connsiteY2"/>
-              </a:cxn>
-              <a:cxn ang="0">
-                <a:pos x="connsiteX3" y="connsiteY3"/>
-              </a:cxn>
-            </a:cxnLst>
-            <a:rect l="l" t="t" r="r" b="b"/>
-            <a:pathLst>
-              <a:path w="602901" h="393561">
-                <a:moveTo>
-                  <a:pt x="294752" y="0"/>
-                </a:moveTo>
-                <a:cubicBezTo>
-                  <a:pt x="448826" y="85411"/>
-                  <a:pt x="602901" y="170822"/>
-                  <a:pt x="566057" y="231112"/>
-                </a:cubicBezTo>
-                <a:cubicBezTo>
-                  <a:pt x="529213" y="291402"/>
-                  <a:pt x="147376" y="393561"/>
-                  <a:pt x="73688" y="361741"/>
-                </a:cubicBezTo>
-                <a:cubicBezTo>
-                  <a:pt x="0" y="329921"/>
-                  <a:pt x="123930" y="40194"/>
-                  <a:pt x="123930" y="40194"/>
-                </a:cubicBezTo>
-              </a:path>
-            </a:pathLst>
-          </a:custGeom>
-          <a:ln>
-            <a:solidFill>
-              <a:schemeClr val="tx1"/>
-            </a:solidFill>
-            <a:headEnd type="none" w="med" len="med"/>
-            <a:tailEnd type="triangle" w="med" len="med"/>
-          </a:ln>
-        </p:spPr>
-        <p:style>
-          <a:lnRef idx="1">
-            <a:schemeClr val="accent1"/>
-          </a:lnRef>
-          <a:fillRef idx="0">
-            <a:schemeClr val="accent1"/>
-          </a:fillRef>
-          <a:effectRef idx="0">
-            <a:schemeClr val="accent1"/>
-          </a:effectRef>
-          <a:fontRef idx="minor">
-            <a:schemeClr val="tx1"/>
-          </a:fontRef>
-        </p:style>
-        <p:txBody>
-          <a:bodyPr rtlCol="0" anchor="ctr"/>
-          <a:lstStyle/>
-          <a:p>
-            <a:pPr algn="ctr"/>
-            <a:endParaRPr lang="en-GB" noProof="1"/>
-          </a:p>
-        </p:txBody>
-      </p:sp>
-      <p:sp>
-        <p:nvSpPr>
-          <p:cNvPr id="99" name="TextBox 98"/>
-          <p:cNvSpPr txBox="1"/>
-          <p:nvPr/>
-        </p:nvSpPr>
-        <p:spPr>
-          <a:xfrm>
-            <a:off x="2438384" y="2500306"/>
-            <a:ext cx="915635" cy="261610"/>
-          </a:xfrm>
-          <a:prstGeom prst="rect">
-            <a:avLst/>
-          </a:prstGeom>
-          <a:solidFill>
-            <a:schemeClr val="bg1"/>
-          </a:solidFill>
-        </p:spPr>
-        <p:txBody>
-          <a:bodyPr wrap="none" rtlCol="0">
-            <a:spAutoFit/>
-          </a:bodyPr>
-          <a:lstStyle/>
-          <a:p>
-            <a:r>
-              <a:rPr lang="en-GB" sz="1100" noProof="1" smtClean="0"/>
-              <a:t>qb:subSlice</a:t>
-            </a:r>
-            <a:endParaRPr lang="en-GB" sz="1100" noProof="1"/>
-          </a:p>
-        </p:txBody>
-      </p:sp>
-      <p:sp>
-        <p:nvSpPr>
           <p:cNvPr id="81" name="Isosceles Triangle 80"/>
           <p:cNvSpPr/>
           <p:nvPr/>
@@ -3662,6 +3537,128 @@
             <a:r>
               <a:rPr lang="en-GB" sz="1100" noProof="1" smtClean="0"/>
               <a:t>&lt;&lt;union&gt;&gt;</a:t>
+            </a:r>
+            <a:endParaRPr lang="en-GB" sz="1100" noProof="1"/>
+          </a:p>
+        </p:txBody>
+      </p:sp>
+      <p:sp>
+        <p:nvSpPr>
+          <p:cNvPr id="79" name="CustomShape 2"/>
+          <p:cNvSpPr/>
+          <p:nvPr/>
+        </p:nvSpPr>
+        <p:spPr>
+          <a:xfrm>
+            <a:off x="142844" y="4071942"/>
+            <a:ext cx="1857388" cy="284400"/>
+          </a:xfrm>
+          <a:prstGeom prst="rect">
+            <a:avLst/>
+          </a:prstGeom>
+          <a:solidFill>
+            <a:srgbClr val="FFFFFF"/>
+          </a:solidFill>
+          <a:ln w="12600">
+            <a:solidFill>
+              <a:srgbClr val="000000"/>
+            </a:solidFill>
+            <a:round/>
+          </a:ln>
+          <a:effectLst>
+            <a:outerShdw blurRad="50800" dist="38100" dir="2700000" algn="tl" rotWithShape="0">
+              <a:prstClr val="black">
+                <a:alpha val="40000"/>
+              </a:prstClr>
+            </a:outerShdw>
+          </a:effectLst>
+        </p:spPr>
+        <p:txBody>
+          <a:bodyPr lIns="90000" tIns="45000" rIns="90000" bIns="45000" anchor="ctr"/>
+          <a:lstStyle/>
+          <a:p>
+            <a:pPr algn="ctr"/>
+            <a:r>
+              <a:rPr lang="en-GB" sz="1400" noProof="1" smtClean="0">
+                <a:solidFill>
+                  <a:srgbClr val="000000"/>
+                </a:solidFill>
+                <a:latin typeface="Calibri"/>
+              </a:rPr>
+              <a:t>qb:ObservationGroup</a:t>
+            </a:r>
+            <a:endParaRPr lang="en-GB" sz="1600" noProof="1"/>
+          </a:p>
+        </p:txBody>
+      </p:sp>
+      <p:cxnSp>
+        <p:nvCxnSpPr>
+          <p:cNvPr id="83" name="Elbow Connector 22"/>
+          <p:cNvCxnSpPr>
+            <a:stCxn id="79" idx="3"/>
+            <a:endCxn id="22" idx="3"/>
+          </p:cNvCxnSpPr>
+          <p:nvPr/>
+        </p:nvCxnSpPr>
+        <p:spPr>
+          <a:xfrm flipH="1" flipV="1">
+            <a:off x="1500166" y="3476972"/>
+            <a:ext cx="500066" cy="737170"/>
+          </a:xfrm>
+          <a:prstGeom prst="bentConnector3">
+            <a:avLst>
+              <a:gd name="adj1" fmla="val -45714"/>
+            </a:avLst>
+          </a:prstGeom>
+          <a:ln>
+            <a:solidFill>
+              <a:schemeClr val="tx1"/>
+            </a:solidFill>
+            <a:tailEnd type="triangle"/>
+          </a:ln>
+        </p:spPr>
+        <p:style>
+          <a:lnRef idx="1">
+            <a:schemeClr val="accent1"/>
+          </a:lnRef>
+          <a:fillRef idx="0">
+            <a:schemeClr val="accent1"/>
+          </a:fillRef>
+          <a:effectRef idx="0">
+            <a:schemeClr val="accent1"/>
+          </a:effectRef>
+          <a:fontRef idx="minor">
+            <a:schemeClr val="tx1"/>
+          </a:fontRef>
+        </p:style>
+      </p:cxnSp>
+      <p:sp>
+        <p:nvSpPr>
+          <p:cNvPr id="88" name="TextBox 87"/>
+          <p:cNvSpPr txBox="1"/>
+          <p:nvPr/>
+        </p:nvSpPr>
+        <p:spPr>
+          <a:xfrm>
+            <a:off x="1643042" y="3643314"/>
+            <a:ext cx="1109599" cy="261610"/>
+          </a:xfrm>
+          <a:prstGeom prst="rect">
+            <a:avLst/>
+          </a:prstGeom>
+          <a:solidFill>
+            <a:schemeClr val="bg1"/>
+          </a:solidFill>
+        </p:spPr>
+        <p:txBody>
+          <a:bodyPr wrap="none" rtlCol="0">
+            <a:spAutoFit/>
+          </a:bodyPr>
+          <a:lstStyle/>
+          <a:p>
+            <a:r>
+              <a:rPr lang="en-GB" sz="1100" noProof="1" smtClean="0"/>
+              <a:t>qb:observation</a:t>
             </a:r>
             <a:endParaRPr lang="en-GB" sz="1100" noProof="1"/>
           </a:p>

--- a/specs/src/main/html/qb-fig1-proposed.pptx
+++ b/specs/src/main/html/qb-fig1-proposed.pptx
@@ -3206,7 +3206,7 @@
         <p:spPr>
           <a:xfrm>
             <a:off x="6143636" y="5357826"/>
-            <a:ext cx="1357322" cy="284400"/>
+            <a:ext cx="2143140" cy="284400"/>
           </a:xfrm>
           <a:prstGeom prst="rect">
             <a:avLst/>
@@ -3218,7 +3218,7 @@
             <a:solidFill>
               <a:srgbClr val="000000"/>
             </a:solidFill>
-            <a:prstDash val="dash"/>
+            <a:prstDash val="solid"/>
             <a:round/>
           </a:ln>
           <a:effectLst>
@@ -3241,7 +3241,7 @@
                 </a:solidFill>
                 <a:latin typeface="Calibri"/>
               </a:rPr>
-              <a:t>qb:Hierarchy</a:t>
+              <a:t>qb:HierarchicalCodeList</a:t>
             </a:r>
             <a:endParaRPr lang="en-GB" sz="1600" noProof="1"/>
           </a:p>
@@ -3294,8 +3294,8 @@
         </p:nvSpPr>
         <p:spPr>
           <a:xfrm>
-            <a:off x="7715272" y="5232456"/>
-            <a:ext cx="1479892" cy="553998"/>
+            <a:off x="7528164" y="5786454"/>
+            <a:ext cx="1258678" cy="400110"/>
           </a:xfrm>
           <a:prstGeom prst="rect">
             <a:avLst/>
@@ -3318,14 +3318,9 @@
           <a:p>
             <a:r>
               <a:rPr lang="en-GB" sz="1000" noProof="1" smtClean="0"/>
-              <a:t>qb:narrowingProperty</a:t>
-            </a:r>
-          </a:p>
-          <a:p>
-            <a:r>
-              <a:rPr lang="en-GB" sz="1000" noProof="1" smtClean="0"/>
-              <a:t>qb:broadeningProperty</a:t>
-            </a:r>
+              <a:t>qb:parentChildProperty</a:t>
+            </a:r>
+            <a:endParaRPr lang="en-GB" sz="1000" noProof="1" smtClean="0"/>
           </a:p>
         </p:txBody>
       </p:sp>
@@ -3333,20 +3328,18 @@
         <p:nvCxnSpPr>
           <p:cNvPr id="103" name="Elbow Connector 102"/>
           <p:cNvCxnSpPr>
-            <a:stCxn id="89" idx="3"/>
+            <a:stCxn id="89" idx="2"/>
             <a:endCxn id="100" idx="1"/>
           </p:cNvCxnSpPr>
           <p:nvPr/>
         </p:nvCxnSpPr>
         <p:spPr>
-          <a:xfrm>
-            <a:off x="7500958" y="5500026"/>
-            <a:ext cx="214314" cy="9429"/>
-          </a:xfrm>
-          <a:prstGeom prst="bentConnector3">
-            <a:avLst>
-              <a:gd name="adj1" fmla="val 50000"/>
-            </a:avLst>
+          <a:xfrm rot="16200000" flipH="1">
+            <a:off x="7199544" y="5657888"/>
+            <a:ext cx="344283" cy="312958"/>
+          </a:xfrm>
+          <a:prstGeom prst="bentConnector2">
+            <a:avLst/>
           </a:prstGeom>
           <a:ln>
             <a:solidFill>
@@ -3354,145 +3347,6 @@
             </a:solidFill>
             <a:headEnd type="none" w="med" len="med"/>
             <a:tailEnd type="none" w="med" len="med"/>
-          </a:ln>
-        </p:spPr>
-        <p:style>
-          <a:lnRef idx="1">
-            <a:schemeClr val="accent1"/>
-          </a:lnRef>
-          <a:fillRef idx="0">
-            <a:schemeClr val="accent1"/>
-          </a:fillRef>
-          <a:effectRef idx="0">
-            <a:schemeClr val="accent1"/>
-          </a:effectRef>
-          <a:fontRef idx="minor">
-            <a:schemeClr val="tx1"/>
-          </a:fontRef>
-        </p:style>
-      </p:cxnSp>
-      <p:sp>
-        <p:nvSpPr>
-          <p:cNvPr id="107" name="Isosceles Triangle 106"/>
-          <p:cNvSpPr/>
-          <p:nvPr/>
-        </p:nvSpPr>
-        <p:spPr>
-          <a:xfrm>
-            <a:off x="6715140" y="5643578"/>
-            <a:ext cx="214314" cy="142876"/>
-          </a:xfrm>
-          <a:prstGeom prst="triangle">
-            <a:avLst/>
-          </a:prstGeom>
-          <a:solidFill>
-            <a:schemeClr val="bg1"/>
-          </a:solidFill>
-          <a:ln w="12700">
-            <a:solidFill>
-              <a:schemeClr val="tx1"/>
-            </a:solidFill>
-          </a:ln>
-        </p:spPr>
-        <p:style>
-          <a:lnRef idx="2">
-            <a:schemeClr val="accent1">
-              <a:shade val="50000"/>
-            </a:schemeClr>
-          </a:lnRef>
-          <a:fillRef idx="1">
-            <a:schemeClr val="accent1"/>
-          </a:fillRef>
-          <a:effectRef idx="0">
-            <a:schemeClr val="accent1"/>
-          </a:effectRef>
-          <a:fontRef idx="minor">
-            <a:schemeClr val="lt1"/>
-          </a:fontRef>
-        </p:style>
-        <p:txBody>
-          <a:bodyPr rtlCol="0" anchor="ctr"/>
-          <a:lstStyle/>
-          <a:p>
-            <a:pPr algn="ctr"/>
-            <a:endParaRPr lang="en-GB" noProof="1"/>
-          </a:p>
-        </p:txBody>
-      </p:sp>
-      <p:sp>
-        <p:nvSpPr>
-          <p:cNvPr id="108" name="CustomShape 1"/>
-          <p:cNvSpPr/>
-          <p:nvPr/>
-        </p:nvSpPr>
-        <p:spPr>
-          <a:xfrm>
-            <a:off x="5715008" y="5930682"/>
-            <a:ext cx="2214578" cy="284400"/>
-          </a:xfrm>
-          <a:prstGeom prst="rect">
-            <a:avLst/>
-          </a:prstGeom>
-          <a:solidFill>
-            <a:srgbClr val="FFFFFF"/>
-          </a:solidFill>
-          <a:ln w="12600">
-            <a:solidFill>
-              <a:srgbClr val="000000"/>
-            </a:solidFill>
-            <a:prstDash val="dash"/>
-            <a:round/>
-          </a:ln>
-          <a:effectLst>
-            <a:outerShdw blurRad="50800" dist="38100" dir="2700000" algn="tl" rotWithShape="0">
-              <a:prstClr val="black">
-                <a:alpha val="40000"/>
-              </a:prstClr>
-            </a:outerShdw>
-          </a:effectLst>
-        </p:spPr>
-        <p:txBody>
-          <a:bodyPr lIns="90000" tIns="45000" rIns="90000" bIns="45000" anchor="ctr"/>
-          <a:lstStyle/>
-          <a:p>
-            <a:pPr algn="ctr"/>
-            <a:r>
-              <a:rPr lang="en-GB" sz="1400" noProof="1" smtClean="0">
-                <a:solidFill>
-                  <a:srgbClr val="000000"/>
-                </a:solidFill>
-                <a:latin typeface="Calibri"/>
-              </a:rPr>
-              <a:t>qb:AggregatableHierarchy</a:t>
-            </a:r>
-            <a:endParaRPr lang="en-GB" sz="1600" noProof="1"/>
-          </a:p>
-        </p:txBody>
-      </p:sp>
-      <p:cxnSp>
-        <p:nvCxnSpPr>
-          <p:cNvPr id="109" name="Elbow Connector 42"/>
-          <p:cNvCxnSpPr>
-            <a:stCxn id="108" idx="0"/>
-            <a:endCxn id="107" idx="3"/>
-          </p:cNvCxnSpPr>
-          <p:nvPr/>
-        </p:nvCxnSpPr>
-        <p:spPr>
-          <a:xfrm rot="5400000" flipH="1" flipV="1">
-            <a:off x="6750183" y="5858568"/>
-            <a:ext cx="144228" cy="1588"/>
-          </a:xfrm>
-          <a:prstGeom prst="bentConnector3">
-            <a:avLst>
-              <a:gd name="adj1" fmla="val 50000"/>
-            </a:avLst>
-          </a:prstGeom>
-          <a:ln>
-            <a:solidFill>
-              <a:schemeClr val="tx1"/>
-            </a:solidFill>
-            <a:tailEnd type="none"/>
           </a:ln>
         </p:spPr>
         <p:style>
